--- a/Sistema de Enfermeria.pptx
+++ b/Sistema de Enfermeria.pptx
@@ -5,10 +5,10 @@
     <p:sldMasterId id="2147483660" r:id="rId4"/>
   </p:sldMasterIdLst>
   <p:notesMasterIdLst>
-    <p:notesMasterId r:id="rId19"/>
+    <p:notesMasterId r:id="rId20"/>
   </p:notesMasterIdLst>
   <p:handoutMasterIdLst>
-    <p:handoutMasterId r:id="rId20"/>
+    <p:handoutMasterId r:id="rId21"/>
   </p:handoutMasterIdLst>
   <p:sldIdLst>
     <p:sldId id="278" r:id="rId5"/>
@@ -24,7 +24,8 @@
     <p:sldId id="291" r:id="rId15"/>
     <p:sldId id="288" r:id="rId16"/>
     <p:sldId id="292" r:id="rId17"/>
-    <p:sldId id="289" r:id="rId18"/>
+    <p:sldId id="293" r:id="rId18"/>
+    <p:sldId id="289" r:id="rId19"/>
   </p:sldIdLst>
   <p:sldSz cx="12192000" cy="6858000"/>
   <p:notesSz cx="6858000" cy="9144000"/>
@@ -338,6 +339,45 @@
       </pc:sldChg>
     </pc:docChg>
   </pc:docChgLst>
+  <pc:docChgLst>
+    <pc:chgData name="Dario Anguizola" userId="da6cb53476f5b137" providerId="LiveId" clId="{5C6F3CEB-A8DE-424B-9B0B-39E95DA8FE7F}"/>
+    <pc:docChg chg="custSel addSld modSld sldOrd">
+      <pc:chgData name="Dario Anguizola" userId="da6cb53476f5b137" providerId="LiveId" clId="{5C6F3CEB-A8DE-424B-9B0B-39E95DA8FE7F}" dt="2024-07-17T04:00:21.335" v="16"/>
+      <pc:docMkLst>
+        <pc:docMk/>
+      </pc:docMkLst>
+      <pc:sldChg chg="ord">
+        <pc:chgData name="Dario Anguizola" userId="da6cb53476f5b137" providerId="LiveId" clId="{5C6F3CEB-A8DE-424B-9B0B-39E95DA8FE7F}" dt="2024-07-17T04:00:21.335" v="16"/>
+        <pc:sldMkLst>
+          <pc:docMk/>
+          <pc:sldMk cId="1038921258" sldId="292"/>
+        </pc:sldMkLst>
+      </pc:sldChg>
+      <pc:sldChg chg="delSp modSp add mod ord">
+        <pc:chgData name="Dario Anguizola" userId="da6cb53476f5b137" providerId="LiveId" clId="{5C6F3CEB-A8DE-424B-9B0B-39E95DA8FE7F}" dt="2024-07-17T04:00:19.600" v="14"/>
+        <pc:sldMkLst>
+          <pc:docMk/>
+          <pc:sldMk cId="1842805545" sldId="293"/>
+        </pc:sldMkLst>
+        <pc:spChg chg="mod">
+          <ac:chgData name="Dario Anguizola" userId="da6cb53476f5b137" providerId="LiveId" clId="{5C6F3CEB-A8DE-424B-9B0B-39E95DA8FE7F}" dt="2024-07-17T04:00:12.343" v="12"/>
+          <ac:spMkLst>
+            <pc:docMk/>
+            <pc:sldMk cId="1842805545" sldId="293"/>
+            <ac:spMk id="7" creationId="{7DA4D79C-DAEC-F48A-2C21-C70DE53CBCF4}"/>
+          </ac:spMkLst>
+        </pc:spChg>
+        <pc:picChg chg="del">
+          <ac:chgData name="Dario Anguizola" userId="da6cb53476f5b137" providerId="LiveId" clId="{5C6F3CEB-A8DE-424B-9B0B-39E95DA8FE7F}" dt="2024-07-17T03:59:54.001" v="1" actId="478"/>
+          <ac:picMkLst>
+            <pc:docMk/>
+            <pc:sldMk cId="1842805545" sldId="293"/>
+            <ac:picMk id="4" creationId="{32A6EE19-6C0D-9BFD-B190-E234EDA5B6B7}"/>
+          </ac:picMkLst>
+        </pc:picChg>
+      </pc:sldChg>
+    </pc:docChg>
+  </pc:docChgLst>
 </pc:chgInfo>
 </file>
 
@@ -489,7 +529,7 @@
           <a:p>
             <a:fld id="{77483E88-2765-4140-A04D-8B1D491FFF40}" type="slidenum">
               <a:rPr lang="es-ES" smtClean="0"/>
-              <a:t>‹Nº›</a:t>
+              <a:t>‹#›</a:t>
             </a:fld>
             <a:endParaRPr lang="es-ES" dirty="0"/>
           </a:p>
@@ -752,7 +792,7 @@
             <a:pPr rtl="0"/>
             <a:fld id="{2E6DE88F-1F85-4A27-9D34-D74A50E7B0DA}" type="slidenum">
               <a:rPr lang="es-ES" noProof="0" smtClean="0"/>
-              <a:t>‹Nº›</a:t>
+              <a:t>‹#›</a:t>
             </a:fld>
             <a:endParaRPr lang="es-ES" noProof="0" dirty="0"/>
           </a:p>
@@ -1325,7 +1365,7 @@
             <a:fld id="{3A98EE3D-8CD1-4C3F-BD1C-C98C9596463C}" type="slidenum">
               <a:rPr lang="es-ES" noProof="0" smtClean="0"/>
               <a:pPr rtl="0"/>
-              <a:t>‹Nº›</a:t>
+              <a:t>‹#›</a:t>
             </a:fld>
             <a:endParaRPr lang="es-ES" noProof="0" dirty="0"/>
           </a:p>
@@ -1634,7 +1674,7 @@
             <a:pPr rtl="0"/>
             <a:fld id="{3A98EE3D-8CD1-4C3F-BD1C-C98C9596463C}" type="slidenum">
               <a:rPr lang="es-ES" noProof="0" smtClean="0"/>
-              <a:t>‹Nº›</a:t>
+              <a:t>‹#›</a:t>
             </a:fld>
             <a:endParaRPr lang="es-ES" noProof="0" dirty="0"/>
           </a:p>
@@ -1832,7 +1872,7 @@
             <a:pPr rtl="0"/>
             <a:fld id="{3A98EE3D-8CD1-4C3F-BD1C-C98C9596463C}" type="slidenum">
               <a:rPr lang="es-ES" noProof="0" smtClean="0"/>
-              <a:t>‹Nº›</a:t>
+              <a:t>‹#›</a:t>
             </a:fld>
             <a:endParaRPr lang="es-ES" noProof="0" dirty="0"/>
           </a:p>
@@ -2099,7 +2139,7 @@
             <a:pPr rtl="0"/>
             <a:fld id="{3A98EE3D-8CD1-4C3F-BD1C-C98C9596463C}" type="slidenum">
               <a:rPr lang="es-ES" noProof="0" smtClean="0"/>
-              <a:t>‹Nº›</a:t>
+              <a:t>‹#›</a:t>
             </a:fld>
             <a:endParaRPr lang="es-ES" noProof="0" dirty="0"/>
           </a:p>
@@ -2539,7 +2579,7 @@
             <a:pPr rtl="0"/>
             <a:fld id="{3A98EE3D-8CD1-4C3F-BD1C-C98C9596463C}" type="slidenum">
               <a:rPr lang="es-ES" noProof="0" smtClean="0"/>
-              <a:t>‹Nº›</a:t>
+              <a:t>‹#›</a:t>
             </a:fld>
             <a:endParaRPr lang="es-ES" noProof="0" dirty="0"/>
           </a:p>
@@ -3080,7 +3120,7 @@
             <a:pPr rtl="0"/>
             <a:fld id="{3A98EE3D-8CD1-4C3F-BD1C-C98C9596463C}" type="slidenum">
               <a:rPr lang="es-ES" noProof="0" smtClean="0"/>
-              <a:t>‹Nº›</a:t>
+              <a:t>‹#›</a:t>
             </a:fld>
             <a:endParaRPr lang="es-ES" noProof="0" dirty="0"/>
           </a:p>
@@ -3969,7 +4009,7 @@
             <a:pPr rtl="0"/>
             <a:fld id="{3A98EE3D-8CD1-4C3F-BD1C-C98C9596463C}" type="slidenum">
               <a:rPr lang="es-ES" noProof="0" smtClean="0"/>
-              <a:t>‹Nº›</a:t>
+              <a:t>‹#›</a:t>
             </a:fld>
             <a:endParaRPr lang="es-ES" noProof="0" dirty="0"/>
           </a:p>
@@ -4143,7 +4183,7 @@
             <a:pPr rtl="0"/>
             <a:fld id="{3A98EE3D-8CD1-4C3F-BD1C-C98C9596463C}" type="slidenum">
               <a:rPr lang="es-ES" noProof="0" smtClean="0"/>
-              <a:t>‹Nº›</a:t>
+              <a:t>‹#›</a:t>
             </a:fld>
             <a:endParaRPr lang="es-ES" noProof="0" dirty="0"/>
           </a:p>
@@ -4392,7 +4432,7 @@
             <a:fld id="{3A98EE3D-8CD1-4C3F-BD1C-C98C9596463C}" type="slidenum">
               <a:rPr lang="es-ES" noProof="0" smtClean="0"/>
               <a:pPr rtl="0"/>
-              <a:t>‹Nº›</a:t>
+              <a:t>‹#›</a:t>
             </a:fld>
             <a:endParaRPr lang="es-ES" noProof="0" dirty="0"/>
           </a:p>
@@ -4637,7 +4677,7 @@
             <a:pPr rtl="0"/>
             <a:fld id="{3A98EE3D-8CD1-4C3F-BD1C-C98C9596463C}" type="slidenum">
               <a:rPr lang="es-ES" noProof="0" smtClean="0"/>
-              <a:t>‹Nº›</a:t>
+              <a:t>‹#›</a:t>
             </a:fld>
             <a:endParaRPr lang="es-ES" noProof="0" dirty="0"/>
           </a:p>
@@ -5124,7 +5164,7 @@
             <a:pPr rtl="0"/>
             <a:fld id="{3A98EE3D-8CD1-4C3F-BD1C-C98C9596463C}" type="slidenum">
               <a:rPr lang="es-ES" noProof="0" smtClean="0"/>
-              <a:t>‹Nº›</a:t>
+              <a:t>‹#›</a:t>
             </a:fld>
             <a:endParaRPr lang="es-ES" noProof="0" dirty="0"/>
           </a:p>
@@ -5246,7 +5286,7 @@
             <a:pPr rtl="0"/>
             <a:fld id="{3A98EE3D-8CD1-4C3F-BD1C-C98C9596463C}" type="slidenum">
               <a:rPr lang="es-ES" noProof="0" smtClean="0"/>
-              <a:t>‹Nº›</a:t>
+              <a:t>‹#›</a:t>
             </a:fld>
             <a:endParaRPr lang="es-ES" noProof="0" dirty="0"/>
           </a:p>
@@ -5344,7 +5384,7 @@
             <a:pPr rtl="0"/>
             <a:fld id="{3A98EE3D-8CD1-4C3F-BD1C-C98C9596463C}" type="slidenum">
               <a:rPr lang="es-ES" noProof="0" smtClean="0"/>
-              <a:t>‹Nº›</a:t>
+              <a:t>‹#›</a:t>
             </a:fld>
             <a:endParaRPr lang="es-ES" noProof="0" dirty="0"/>
           </a:p>
@@ -5604,7 +5644,7 @@
             <a:fld id="{3A98EE3D-8CD1-4C3F-BD1C-C98C9596463C}" type="slidenum">
               <a:rPr lang="es-ES" noProof="0" smtClean="0"/>
               <a:pPr rtl="0"/>
-              <a:t>‹Nº›</a:t>
+              <a:t>‹#›</a:t>
             </a:fld>
             <a:endParaRPr lang="es-ES" noProof="0" dirty="0"/>
           </a:p>
@@ -5915,7 +5955,7 @@
             <a:pPr rtl="0"/>
             <a:fld id="{3A98EE3D-8CD1-4C3F-BD1C-C98C9596463C}" type="slidenum">
               <a:rPr lang="es-ES" noProof="0" smtClean="0"/>
-              <a:t>‹Nº›</a:t>
+              <a:t>‹#›</a:t>
             </a:fld>
             <a:endParaRPr lang="es-ES" noProof="0" dirty="0"/>
           </a:p>
@@ -6201,7 +6241,7 @@
             <a:pPr rtl="0"/>
             <a:fld id="{3A98EE3D-8CD1-4C3F-BD1C-C98C9596463C}" type="slidenum">
               <a:rPr lang="es-ES" noProof="0" smtClean="0"/>
-              <a:t>‹Nº›</a:t>
+              <a:t>‹#›</a:t>
             </a:fld>
             <a:endParaRPr lang="es-ES" noProof="0" dirty="0"/>
           </a:p>
@@ -10119,31 +10159,6 @@
           </a:p>
         </p:txBody>
       </p:sp>
-      <p:sp>
-        <p:nvSpPr>
-          <p:cNvPr id="7" name="Marcador de contenido 6">
-            <a:extLst>
-              <a:ext uri="{FF2B5EF4-FFF2-40B4-BE49-F238E27FC236}">
-                <a16:creationId xmlns:a16="http://schemas.microsoft.com/office/drawing/2014/main" id="{7DA4D79C-DAEC-F48A-2C21-C70DE53CBCF4}"/>
-              </a:ext>
-            </a:extLst>
-          </p:cNvPr>
-          <p:cNvSpPr>
-            <a:spLocks noGrp="1"/>
-          </p:cNvSpPr>
-          <p:nvPr>
-            <p:ph idx="1"/>
-          </p:nvPr>
-        </p:nvSpPr>
-        <p:spPr/>
-        <p:txBody>
-          <a:bodyPr/>
-          <a:lstStyle/>
-          <a:p>
-            <a:endParaRPr lang="es-PA"/>
-          </a:p>
-        </p:txBody>
-      </p:sp>
       <p:pic>
         <p:nvPicPr>
           <p:cNvPr id="4" name="Imagen 3">
@@ -10188,6 +10203,106 @@
 </file>
 
 <file path=ppt/slides/slide14.xml><?xml version="1.0" encoding="utf-8"?>
+<p:sld xmlns:a="http://schemas.openxmlformats.org/drawingml/2006/main" xmlns:r="http://schemas.openxmlformats.org/officeDocument/2006/relationships" xmlns:p="http://schemas.openxmlformats.org/presentationml/2006/main">
+  <p:cSld>
+    <p:spTree>
+      <p:nvGrpSpPr>
+        <p:cNvPr id="1" name=""/>
+        <p:cNvGrpSpPr/>
+        <p:nvPr/>
+      </p:nvGrpSpPr>
+      <p:grpSpPr>
+        <a:xfrm>
+          <a:off x="0" y="0"/>
+          <a:ext cx="0" cy="0"/>
+          <a:chOff x="0" y="0"/>
+          <a:chExt cx="0" cy="0"/>
+        </a:xfrm>
+      </p:grpSpPr>
+      <p:sp>
+        <p:nvSpPr>
+          <p:cNvPr id="2" name="Title 1">
+            <a:extLst>
+              <a:ext uri="{FF2B5EF4-FFF2-40B4-BE49-F238E27FC236}">
+                <a16:creationId xmlns:a16="http://schemas.microsoft.com/office/drawing/2014/main" id="{B130C7F5-3C31-B04D-976F-426F995F0A36}"/>
+              </a:ext>
+            </a:extLst>
+          </p:cNvPr>
+          <p:cNvSpPr>
+            <a:spLocks noGrp="1"/>
+          </p:cNvSpPr>
+          <p:nvPr>
+            <p:ph type="title"/>
+          </p:nvPr>
+        </p:nvSpPr>
+        <p:spPr>
+          <a:xfrm>
+            <a:off x="913795" y="255638"/>
+            <a:ext cx="10353762" cy="762000"/>
+          </a:xfrm>
+        </p:spPr>
+        <p:txBody>
+          <a:bodyPr>
+            <a:normAutofit/>
+          </a:bodyPr>
+          <a:lstStyle/>
+          <a:p>
+            <a:r>
+              <a:rPr lang="es-MX" sz="4000" dirty="0"/>
+              <a:t>Prototipo de Alta Fidelidad</a:t>
+            </a:r>
+            <a:endParaRPr lang="es-PA" sz="4000" dirty="0"/>
+          </a:p>
+        </p:txBody>
+      </p:sp>
+      <p:sp>
+        <p:nvSpPr>
+          <p:cNvPr id="7" name="Marcador de contenido 6">
+            <a:extLst>
+              <a:ext uri="{FF2B5EF4-FFF2-40B4-BE49-F238E27FC236}">
+                <a16:creationId xmlns:a16="http://schemas.microsoft.com/office/drawing/2014/main" id="{7DA4D79C-DAEC-F48A-2C21-C70DE53CBCF4}"/>
+              </a:ext>
+            </a:extLst>
+          </p:cNvPr>
+          <p:cNvSpPr>
+            <a:spLocks noGrp="1"/>
+          </p:cNvSpPr>
+          <p:nvPr>
+            <p:ph idx="1"/>
+          </p:nvPr>
+        </p:nvSpPr>
+        <p:spPr/>
+        <p:txBody>
+          <a:bodyPr/>
+          <a:lstStyle/>
+          <a:p>
+            <a:r>
+              <a:rPr lang="es-PA" dirty="0"/>
+              <a:t>URL FIGMA</a:t>
+            </a:r>
+          </a:p>
+          <a:p>
+            <a:r>
+              <a:rPr lang="es-PA" dirty="0"/>
+              <a:t>https://www.figma.com/design/jBfrG4RlA0dzUViHlSD0xZ/Untitled?node-id=1-5091&amp;t=hpk5o2oJqWV0491Q-0</a:t>
+            </a:r>
+          </a:p>
+        </p:txBody>
+      </p:sp>
+    </p:spTree>
+    <p:extLst>
+      <p:ext uri="{BB962C8B-B14F-4D97-AF65-F5344CB8AC3E}">
+        <p14:creationId xmlns:p14="http://schemas.microsoft.com/office/powerpoint/2010/main" val="1842805545"/>
+      </p:ext>
+    </p:extLst>
+  </p:cSld>
+  <p:clrMapOvr>
+    <a:masterClrMapping/>
+  </p:clrMapOvr>
+</p:sld>
+</file>
+
+<file path=ppt/slides/slide15.xml><?xml version="1.0" encoding="utf-8"?>
 <p:sld xmlns:a="http://schemas.openxmlformats.org/drawingml/2006/main" xmlns:r="http://schemas.openxmlformats.org/officeDocument/2006/relationships" xmlns:p="http://schemas.openxmlformats.org/presentationml/2006/main">
   <p:cSld>
     <p:spTree>
@@ -18179,6 +18294,15 @@
 </file>
 
 <file path=customXml/item1.xml><?xml version="1.0" encoding="utf-8"?>
+<?mso-contentType ?>
+<FormTemplates xmlns="http://schemas.microsoft.com/sharepoint/v3/contenttype/forms">
+  <Display>DocumentLibraryForm</Display>
+  <Edit>DocumentLibraryForm</Edit>
+  <New>DocumentLibraryForm</New>
+</FormTemplates>
+</file>
+
+<file path=customXml/item2.xml><?xml version="1.0" encoding="utf-8"?>
 <p:properties xmlns:p="http://schemas.microsoft.com/office/2006/metadata/properties" xmlns:xsi="http://www.w3.org/2001/XMLSchema-instance" xmlns:pc="http://schemas.microsoft.com/office/infopath/2007/PartnerControls">
   <documentManagement>
     <Status xmlns="71af3243-3dd4-4a8d-8c0d-dd76da1f02a5">Not started</Status>
@@ -18187,7 +18311,7 @@
 </p:properties>
 </file>
 
-<file path=customXml/item2.xml><?xml version="1.0" encoding="utf-8"?>
+<file path=customXml/item3.xml><?xml version="1.0" encoding="utf-8"?>
 <ct:contentTypeSchema xmlns:ct="http://schemas.microsoft.com/office/2006/metadata/contentType" xmlns:ma="http://schemas.microsoft.com/office/2006/metadata/properties/metaAttributes" ct:_="" ma:_="" ma:contentTypeName="Document" ma:contentTypeID="0x01010079F111ED35F8CC479449609E8A0923A6" ma:contentTypeVersion="12" ma:contentTypeDescription="Create a new document." ma:contentTypeScope="" ma:versionID="a410dd7f93c95333ffa1b60ed6adedd1">
   <xsd:schema xmlns:xsd="http://www.w3.org/2001/XMLSchema" xmlns:xs="http://www.w3.org/2001/XMLSchema" xmlns:p="http://schemas.microsoft.com/office/2006/metadata/properties" xmlns:ns2="71af3243-3dd4-4a8d-8c0d-dd76da1f02a5" xmlns:ns3="16c05727-aa75-4e4a-9b5f-8a80a1165891" targetNamespace="http://schemas.microsoft.com/office/2006/metadata/properties" ma:root="true" ma:fieldsID="a936d9baba76aa3866493feff160faab" ns2:_="" ns3:_="">
     <xsd:import namespace="71af3243-3dd4-4a8d-8c0d-dd76da1f02a5"/>
@@ -18408,16 +18532,15 @@
 </ct:contentTypeSchema>
 </file>
 
-<file path=customXml/item3.xml><?xml version="1.0" encoding="utf-8"?>
-<?mso-contentType ?>
-<FormTemplates xmlns="http://schemas.microsoft.com/sharepoint/v3/contenttype/forms">
-  <Display>DocumentLibraryForm</Display>
-  <Edit>DocumentLibraryForm</Edit>
-  <New>DocumentLibraryForm</New>
-</FormTemplates>
+<file path=customXml/itemProps1.xml><?xml version="1.0" encoding="utf-8"?>
+<ds:datastoreItem xmlns:ds="http://schemas.openxmlformats.org/officeDocument/2006/customXml" ds:itemID="{64B270AB-C138-415C-897E-3C24487DECF1}">
+  <ds:schemaRefs>
+    <ds:schemaRef ds:uri="http://schemas.microsoft.com/sharepoint/v3/contenttype/forms"/>
+  </ds:schemaRefs>
+</ds:datastoreItem>
 </file>
 
-<file path=customXml/itemProps1.xml><?xml version="1.0" encoding="utf-8"?>
+<file path=customXml/itemProps2.xml><?xml version="1.0" encoding="utf-8"?>
 <ds:datastoreItem xmlns:ds="http://schemas.openxmlformats.org/officeDocument/2006/customXml" ds:itemID="{2C4C00F4-06E9-43E3-AD97-88A857CEFA82}">
   <ds:schemaRefs>
     <ds:schemaRef ds:uri="http://schemas.microsoft.com/office/2006/metadata/properties"/>
@@ -18427,7 +18550,7 @@
 </ds:datastoreItem>
 </file>
 
-<file path=customXml/itemProps2.xml><?xml version="1.0" encoding="utf-8"?>
+<file path=customXml/itemProps3.xml><?xml version="1.0" encoding="utf-8"?>
 <ds:datastoreItem xmlns:ds="http://schemas.openxmlformats.org/officeDocument/2006/customXml" ds:itemID="{0585E981-8C91-4205-A0C3-C991F42B4C9E}">
   <ds:schemaRefs>
     <ds:schemaRef ds:uri="http://schemas.microsoft.com/office/2006/metadata/contentType"/>
@@ -18444,12 +18567,4 @@
     <ds:schemaRef ds:uri="http://schemas.microsoft.com/internal/obd"/>
   </ds:schemaRefs>
 </ds:datastoreItem>
-</file>
-
-<file path=customXml/itemProps3.xml><?xml version="1.0" encoding="utf-8"?>
-<ds:datastoreItem xmlns:ds="http://schemas.openxmlformats.org/officeDocument/2006/customXml" ds:itemID="{64B270AB-C138-415C-897E-3C24487DECF1}">
-  <ds:schemaRefs>
-    <ds:schemaRef ds:uri="http://schemas.microsoft.com/sharepoint/v3/contenttype/forms"/>
-  </ds:schemaRefs>
-</ds:datastoreItem>
 </file>